--- a/aulas/t/SCO-T1-A01-A02.pptx
+++ b/aulas/t/SCO-T1-A01-A02.pptx
@@ -14050,7 +14050,7 @@
           <a:p>
             <a:pPr algn="r"/>
             <a:br>
-              <a:rPr lang="pt-PT" sz="1000" b="1" i="1" dirty="0">
+              <a:rPr lang="pt-PT" sz="1000" b="1" i="1" cap="small" dirty="0">
                 <a:solidFill>
                   <a:srgbClr val="FF0000"/>
                 </a:solidFill>
@@ -14058,58 +14058,13 @@
               </a:rPr>
             </a:br>
             <a:r>
-              <a:rPr lang="pt-PT" sz="1800" b="1" i="1" dirty="0">
+              <a:rPr lang="pt-PT" sz="1800" b="1" i="1" cap="small" dirty="0">
                 <a:solidFill>
                   <a:srgbClr val="FF0000"/>
                 </a:solidFill>
                 <a:latin typeface="Arial" charset="0"/>
               </a:rPr>
-              <a:t>T</a:t>
-            </a:r>
-            <a:r>
-              <a:rPr lang="pt-PT" sz="1600" b="1" i="1" dirty="0">
-                <a:solidFill>
-                  <a:srgbClr val="FF0000"/>
-                </a:solidFill>
-                <a:latin typeface="Arial" charset="0"/>
-              </a:rPr>
-              <a:t>ESTE </a:t>
-            </a:r>
-            <a:r>
-              <a:rPr lang="pt-PT" sz="1800" b="1" i="1" dirty="0">
-                <a:solidFill>
-                  <a:srgbClr val="FF0000"/>
-                </a:solidFill>
-                <a:latin typeface="Arial" charset="0"/>
-              </a:rPr>
-              <a:t>T</a:t>
-            </a:r>
-            <a:r>
-              <a:rPr lang="pt-PT" sz="1600" b="1" i="1" dirty="0">
-                <a:solidFill>
-                  <a:srgbClr val="FF0000"/>
-                </a:solidFill>
-                <a:latin typeface="Arial" charset="0"/>
-              </a:rPr>
-              <a:t>EÓRICO </a:t>
-            </a:r>
-            <a:r>
-              <a:rPr lang="pt-PT" sz="1800" b="1" i="1" dirty="0">
-                <a:solidFill>
-                  <a:srgbClr val="FF0000"/>
-                </a:solidFill>
-                <a:latin typeface="Arial" charset="0"/>
-              </a:rPr>
-              <a:t>O</a:t>
-            </a:r>
-            <a:r>
-              <a:rPr lang="pt-PT" sz="1600" b="1" i="1" dirty="0">
-                <a:solidFill>
-                  <a:srgbClr val="FF0000"/>
-                </a:solidFill>
-                <a:latin typeface="Arial" charset="0"/>
-              </a:rPr>
-              <a:t>NLINE</a:t>
+              <a:t>Questionário Teórico Online</a:t>
             </a:r>
             <a:endParaRPr lang="en-GB" sz="1600" b="1" i="1" dirty="0">
               <a:solidFill>
@@ -14131,7 +14086,7 @@
         <p:spPr bwMode="auto">
           <a:xfrm>
             <a:off x="540000" y="900000"/>
-            <a:ext cx="8064448" cy="3938245"/>
+            <a:ext cx="8064448" cy="3568914"/>
           </a:xfrm>
           <a:prstGeom prst="rect">
             <a:avLst/>
@@ -14151,18 +14106,6 @@
           </a:bodyPr>
           <a:lstStyle/>
           <a:p>
-            <a:pPr algn="l" defTabSz="704085">
-              <a:lnSpc>
-                <a:spcPct val="120000"/>
-              </a:lnSpc>
-            </a:pPr>
-            <a:r>
-              <a:rPr lang="pt-PT" sz="2000" b="0" i="0" dirty="0"/>
-              <a:t>Questões em:</a:t>
-            </a:r>
-            <a:endParaRPr lang="pt-PT" sz="3600" i="0" dirty="0"/>
-          </a:p>
-          <a:p>
             <a:pPr marL="357188" lvl="1" indent="-177800" algn="l" defTabSz="704085">
               <a:lnSpc>
                 <a:spcPct val="120000"/>
@@ -14223,8 +14166,8 @@
               <a:t>Password do teste de </a:t>
             </a:r>
             <a:r>
-              <a:rPr lang="pt-PT" sz="2800" b="0" i="0" dirty="0" err="1"/>
-              <a:t>CPUs</a:t>
+              <a:rPr lang="pt-PT" sz="2800" i="0" dirty="0"/>
+              <a:t>T-Q01</a:t>
             </a:r>
             <a:r>
               <a:rPr lang="pt-PT" sz="2800" b="0" i="0" dirty="0"/>

--- a/aulas/t/SCO-T1-A01-A02.pptx
+++ b/aulas/t/SCO-T1-A01-A02.pptx
@@ -7650,7 +7650,7 @@
         </p:nvSpPr>
         <p:spPr bwMode="auto">
           <a:xfrm>
-            <a:off x="540000" y="900000"/>
+            <a:off x="540000" y="841276"/>
             <a:ext cx="8424488" cy="6014455"/>
           </a:xfrm>
           <a:prstGeom prst="rect">
@@ -8036,7 +8036,7 @@
         </p:nvGrpSpPr>
         <p:grpSpPr>
           <a:xfrm>
-            <a:off x="971600" y="1895044"/>
+            <a:off x="971600" y="1849388"/>
             <a:ext cx="7798704" cy="2906672"/>
             <a:chOff x="971600" y="1895044"/>
             <a:chExt cx="7798704" cy="2906672"/>
@@ -8483,7 +8483,7 @@
         </p:nvSpPr>
         <p:spPr bwMode="auto">
           <a:xfrm>
-            <a:off x="540000" y="900000"/>
+            <a:off x="540000" y="841276"/>
             <a:ext cx="8424488" cy="5497390"/>
           </a:xfrm>
           <a:prstGeom prst="rect">
@@ -9231,7 +9231,7 @@
         </p:nvSpPr>
         <p:spPr bwMode="auto">
           <a:xfrm>
-            <a:off x="540000" y="900000"/>
+            <a:off x="540000" y="841276"/>
             <a:ext cx="8424488" cy="991541"/>
           </a:xfrm>
           <a:prstGeom prst="rect">
@@ -9707,7 +9707,7 @@
         </p:nvSpPr>
         <p:spPr bwMode="auto">
           <a:xfrm>
-            <a:off x="540000" y="900000"/>
+            <a:off x="540000" y="841276"/>
             <a:ext cx="8424488" cy="4241662"/>
           </a:xfrm>
           <a:prstGeom prst="rect">
@@ -10529,7 +10529,7 @@
         </p:nvSpPr>
         <p:spPr bwMode="auto">
           <a:xfrm>
-            <a:off x="540000" y="900000"/>
+            <a:off x="540000" y="841276"/>
             <a:ext cx="8424488" cy="2173403"/>
           </a:xfrm>
           <a:prstGeom prst="rect">
@@ -12908,7 +12908,7 @@
         </p:nvSpPr>
         <p:spPr bwMode="auto">
           <a:xfrm>
-            <a:off x="540000" y="900000"/>
+            <a:off x="540000" y="841276"/>
             <a:ext cx="8136456" cy="3429132"/>
           </a:xfrm>
           <a:prstGeom prst="rect">
@@ -14085,7 +14085,7 @@
         </p:nvSpPr>
         <p:spPr bwMode="auto">
           <a:xfrm>
-            <a:off x="540000" y="900000"/>
+            <a:off x="540000" y="841276"/>
             <a:ext cx="8064448" cy="3568914"/>
           </a:xfrm>
           <a:prstGeom prst="rect">
@@ -14512,7 +14512,7 @@
         </p:nvSpPr>
         <p:spPr bwMode="auto">
           <a:xfrm>
-            <a:off x="540000" y="900000"/>
+            <a:off x="540000" y="841276"/>
             <a:ext cx="7848424" cy="1582472"/>
           </a:xfrm>
           <a:prstGeom prst="rect">
@@ -14566,23 +14566,7 @@
             </a:pPr>
             <a:r>
               <a:rPr lang="pt-BR" sz="1600" b="0" i="0" dirty="0"/>
-              <a:t>A corrente, medida em amperes (A), é a quantidade </a:t>
-            </a:r>
-            <a:r>
-              <a:rPr lang="pt-BR" sz="1600" b="0" i="0"/>
-              <a:t>de “água” </a:t>
-            </a:r>
-            <a:r>
-              <a:rPr lang="pt-BR" sz="1600" b="0" i="0" dirty="0"/>
-              <a:t>que flui por unidade de tempo na saída (não o total </a:t>
-            </a:r>
-            <a:r>
-              <a:rPr lang="pt-BR" sz="1600" b="0" i="0"/>
-              <a:t>da “água” </a:t>
-            </a:r>
-            <a:r>
-              <a:rPr lang="pt-BR" sz="1600" b="0" i="0" dirty="0"/>
-              <a:t>que passa na saída). </a:t>
+              <a:t>A corrente, medida em amperes (A), é a quantidade de “água” que flui por unidade de tempo na saída (não o total da “água” que passa na saída). </a:t>
             </a:r>
             <a:endParaRPr lang="pt-PT" sz="2000" b="0" i="0" dirty="0"/>
           </a:p>
@@ -15018,7 +15002,7 @@
         </p:nvSpPr>
         <p:spPr bwMode="auto">
           <a:xfrm>
-            <a:off x="540000" y="900000"/>
+            <a:off x="540000" y="841276"/>
             <a:ext cx="7848424" cy="1582472"/>
           </a:xfrm>
           <a:prstGeom prst="rect">
@@ -15634,7 +15618,7 @@
         </p:nvSpPr>
         <p:spPr bwMode="auto">
           <a:xfrm>
-            <a:off x="540000" y="900000"/>
+            <a:off x="540000" y="841276"/>
             <a:ext cx="7848424" cy="2764334"/>
           </a:xfrm>
           <a:prstGeom prst="rect">
@@ -16476,7 +16460,7 @@
         </p:nvSpPr>
         <p:spPr bwMode="auto">
           <a:xfrm>
-            <a:off x="540000" y="900000"/>
+            <a:off x="540000" y="841276"/>
             <a:ext cx="7848424" cy="1582472"/>
           </a:xfrm>
           <a:prstGeom prst="rect">
@@ -21085,7 +21069,7 @@
         </p:nvSpPr>
         <p:spPr bwMode="auto">
           <a:xfrm>
-            <a:off x="540000" y="900000"/>
+            <a:off x="540000" y="841276"/>
             <a:ext cx="8424488" cy="3946196"/>
           </a:xfrm>
           <a:prstGeom prst="rect">
@@ -21731,7 +21715,7 @@
         </p:nvSpPr>
         <p:spPr bwMode="auto">
           <a:xfrm>
-            <a:off x="540000" y="900000"/>
+            <a:off x="540000" y="841276"/>
             <a:ext cx="8424488" cy="3355265"/>
           </a:xfrm>
           <a:prstGeom prst="rect">
@@ -22287,7 +22271,7 @@
         </p:nvSpPr>
         <p:spPr bwMode="auto">
           <a:xfrm>
-            <a:off x="540000" y="900000"/>
+            <a:off x="540000" y="841276"/>
             <a:ext cx="8424488" cy="3946196"/>
           </a:xfrm>
           <a:prstGeom prst="rect">

--- a/aulas/t/SCO-T1-A01-A02.pptx
+++ b/aulas/t/SCO-T1-A01-A02.pptx
@@ -14553,7 +14553,7 @@
             </a:pPr>
             <a:r>
               <a:rPr lang="pt-BR" sz="1600" b="0" i="0" dirty="0"/>
-              <a:t>A tensão, medida em volt (V), é a diferença de alturas entre níveis de “água” num contentor, normalmente do topo à base do contentor;</a:t>
+              <a:t>A tensão, medida em Volt (V), é a diferença de alturas entre níveis de “água” num contentor, normalmente do topo à base do contentor;</a:t>
             </a:r>
           </a:p>
           <a:p>
@@ -14566,7 +14566,7 @@
             </a:pPr>
             <a:r>
               <a:rPr lang="pt-BR" sz="1600" b="0" i="0" dirty="0"/>
-              <a:t>A corrente, medida em amperes (A), é a quantidade de “água” que flui por unidade de tempo na saída (não o total da “água” que passa na saída). </a:t>
+              <a:t>A corrente, medida em Ampere (A), é a quantidade de “água” que flui por unidade de tempo na saída (não o total da “água” que passa na saída). </a:t>
             </a:r>
             <a:endParaRPr lang="pt-PT" sz="2000" b="0" i="0" dirty="0"/>
           </a:p>
